--- a/Assignment Part 1/Logo and Backgrounds.pptx
+++ b/Assignment Part 1/Logo and Backgrounds.pptx
@@ -8,6 +8,7 @@
     <p:sldId id="256" r:id="rId2"/>
     <p:sldId id="258" r:id="rId3"/>
     <p:sldId id="257" r:id="rId4"/>
+    <p:sldId id="259" r:id="rId5"/>
   </p:sldIdLst>
   <p:sldSz cx="12192000" cy="6858000"/>
   <p:notesSz cx="6858000" cy="9144000"/>
@@ -263,7 +264,7 @@
           <a:p>
             <a:fld id="{8EF00637-5EB8-4969-9C23-3B9EDCC50F96}" type="datetimeFigureOut">
               <a:rPr lang="en-AU" smtClean="0"/>
-              <a:t>16/03/2023</a:t>
+              <a:t>26/03/2023</a:t>
             </a:fld>
             <a:endParaRPr lang="en-AU"/>
           </a:p>
@@ -463,7 +464,7 @@
           <a:p>
             <a:fld id="{8EF00637-5EB8-4969-9C23-3B9EDCC50F96}" type="datetimeFigureOut">
               <a:rPr lang="en-AU" smtClean="0"/>
-              <a:t>16/03/2023</a:t>
+              <a:t>26/03/2023</a:t>
             </a:fld>
             <a:endParaRPr lang="en-AU"/>
           </a:p>
@@ -673,7 +674,7 @@
           <a:p>
             <a:fld id="{8EF00637-5EB8-4969-9C23-3B9EDCC50F96}" type="datetimeFigureOut">
               <a:rPr lang="en-AU" smtClean="0"/>
-              <a:t>16/03/2023</a:t>
+              <a:t>26/03/2023</a:t>
             </a:fld>
             <a:endParaRPr lang="en-AU"/>
           </a:p>
@@ -873,7 +874,7 @@
           <a:p>
             <a:fld id="{8EF00637-5EB8-4969-9C23-3B9EDCC50F96}" type="datetimeFigureOut">
               <a:rPr lang="en-AU" smtClean="0"/>
-              <a:t>16/03/2023</a:t>
+              <a:t>26/03/2023</a:t>
             </a:fld>
             <a:endParaRPr lang="en-AU"/>
           </a:p>
@@ -1149,7 +1150,7 @@
           <a:p>
             <a:fld id="{8EF00637-5EB8-4969-9C23-3B9EDCC50F96}" type="datetimeFigureOut">
               <a:rPr lang="en-AU" smtClean="0"/>
-              <a:t>16/03/2023</a:t>
+              <a:t>26/03/2023</a:t>
             </a:fld>
             <a:endParaRPr lang="en-AU"/>
           </a:p>
@@ -1417,7 +1418,7 @@
           <a:p>
             <a:fld id="{8EF00637-5EB8-4969-9C23-3B9EDCC50F96}" type="datetimeFigureOut">
               <a:rPr lang="en-AU" smtClean="0"/>
-              <a:t>16/03/2023</a:t>
+              <a:t>26/03/2023</a:t>
             </a:fld>
             <a:endParaRPr lang="en-AU"/>
           </a:p>
@@ -1832,7 +1833,7 @@
           <a:p>
             <a:fld id="{8EF00637-5EB8-4969-9C23-3B9EDCC50F96}" type="datetimeFigureOut">
               <a:rPr lang="en-AU" smtClean="0"/>
-              <a:t>16/03/2023</a:t>
+              <a:t>26/03/2023</a:t>
             </a:fld>
             <a:endParaRPr lang="en-AU"/>
           </a:p>
@@ -1974,7 +1975,7 @@
           <a:p>
             <a:fld id="{8EF00637-5EB8-4969-9C23-3B9EDCC50F96}" type="datetimeFigureOut">
               <a:rPr lang="en-AU" smtClean="0"/>
-              <a:t>16/03/2023</a:t>
+              <a:t>26/03/2023</a:t>
             </a:fld>
             <a:endParaRPr lang="en-AU"/>
           </a:p>
@@ -2087,7 +2088,7 @@
           <a:p>
             <a:fld id="{8EF00637-5EB8-4969-9C23-3B9EDCC50F96}" type="datetimeFigureOut">
               <a:rPr lang="en-AU" smtClean="0"/>
-              <a:t>16/03/2023</a:t>
+              <a:t>26/03/2023</a:t>
             </a:fld>
             <a:endParaRPr lang="en-AU"/>
           </a:p>
@@ -2400,7 +2401,7 @@
           <a:p>
             <a:fld id="{8EF00637-5EB8-4969-9C23-3B9EDCC50F96}" type="datetimeFigureOut">
               <a:rPr lang="en-AU" smtClean="0"/>
-              <a:t>16/03/2023</a:t>
+              <a:t>26/03/2023</a:t>
             </a:fld>
             <a:endParaRPr lang="en-AU"/>
           </a:p>
@@ -2689,7 +2690,7 @@
           <a:p>
             <a:fld id="{8EF00637-5EB8-4969-9C23-3B9EDCC50F96}" type="datetimeFigureOut">
               <a:rPr lang="en-AU" smtClean="0"/>
-              <a:t>16/03/2023</a:t>
+              <a:t>26/03/2023</a:t>
             </a:fld>
             <a:endParaRPr lang="en-AU"/>
           </a:p>
@@ -2932,7 +2933,7 @@
           <a:p>
             <a:fld id="{8EF00637-5EB8-4969-9C23-3B9EDCC50F96}" type="datetimeFigureOut">
               <a:rPr lang="en-AU" smtClean="0"/>
-              <a:t>16/03/2023</a:t>
+              <a:t>26/03/2023</a:t>
             </a:fld>
             <a:endParaRPr lang="en-AU"/>
           </a:p>
@@ -5689,6 +5690,272 @@
 </p:sld>
 </file>
 
+<file path=ppt/slides/slide4.xml><?xml version="1.0" encoding="utf-8"?>
+<p:sld xmlns:a="http://schemas.openxmlformats.org/drawingml/2006/main" xmlns:r="http://schemas.openxmlformats.org/officeDocument/2006/relationships" xmlns:p="http://schemas.openxmlformats.org/presentationml/2006/main">
+  <p:cSld>
+    <p:bg>
+      <p:bgPr>
+        <a:solidFill>
+          <a:schemeClr val="bg1"/>
+        </a:solidFill>
+        <a:effectLst/>
+      </p:bgPr>
+    </p:bg>
+    <p:spTree>
+      <p:nvGrpSpPr>
+        <p:cNvPr id="1" name=""/>
+        <p:cNvGrpSpPr/>
+        <p:nvPr/>
+      </p:nvGrpSpPr>
+      <p:grpSpPr>
+        <a:xfrm>
+          <a:off x="0" y="0"/>
+          <a:ext cx="0" cy="0"/>
+          <a:chOff x="0" y="0"/>
+          <a:chExt cx="0" cy="0"/>
+        </a:xfrm>
+      </p:grpSpPr>
+      <p:grpSp>
+        <p:nvGrpSpPr>
+          <p:cNvPr id="43" name="Group 42">
+            <a:extLst>
+              <a:ext uri="{FF2B5EF4-FFF2-40B4-BE49-F238E27FC236}">
+                <a16:creationId xmlns:a16="http://schemas.microsoft.com/office/drawing/2014/main" id="{7EB06832-F04D-B17E-28B3-AC413A14F66B}"/>
+              </a:ext>
+            </a:extLst>
+          </p:cNvPr>
+          <p:cNvGrpSpPr/>
+          <p:nvPr/>
+        </p:nvGrpSpPr>
+        <p:grpSpPr>
+          <a:xfrm>
+            <a:off x="5478386" y="1055912"/>
+            <a:ext cx="4136494" cy="2565829"/>
+            <a:chOff x="5478386" y="1055912"/>
+            <a:chExt cx="4136494" cy="2565829"/>
+          </a:xfrm>
+        </p:grpSpPr>
+        <p:grpSp>
+          <p:nvGrpSpPr>
+            <p:cNvPr id="29" name="Group 28">
+              <a:extLst>
+                <a:ext uri="{FF2B5EF4-FFF2-40B4-BE49-F238E27FC236}">
+                  <a16:creationId xmlns:a16="http://schemas.microsoft.com/office/drawing/2014/main" id="{9A8FEA7F-5B12-CB84-DB58-D0852037BCA7}"/>
+                </a:ext>
+              </a:extLst>
+            </p:cNvPr>
+            <p:cNvGrpSpPr/>
+            <p:nvPr/>
+          </p:nvGrpSpPr>
+          <p:grpSpPr>
+            <a:xfrm>
+              <a:off x="6671543" y="3015285"/>
+              <a:ext cx="1623495" cy="450007"/>
+              <a:chOff x="4248932" y="2435079"/>
+              <a:chExt cx="7171544" cy="1987839"/>
+            </a:xfrm>
+          </p:grpSpPr>
+          <p:pic>
+            <p:nvPicPr>
+              <p:cNvPr id="32" name="Picture 31" descr="Icon&#10;&#10;Description automatically generated">
+                <a:extLst>
+                  <a:ext uri="{FF2B5EF4-FFF2-40B4-BE49-F238E27FC236}">
+                    <a16:creationId xmlns:a16="http://schemas.microsoft.com/office/drawing/2014/main" id="{06CABD57-5C18-05B9-7FD6-25C7043FAC5D}"/>
+                  </a:ext>
+                </a:extLst>
+              </p:cNvPr>
+              <p:cNvPicPr>
+                <a:picLocks noChangeAspect="1"/>
+              </p:cNvPicPr>
+              <p:nvPr/>
+            </p:nvPicPr>
+            <p:blipFill>
+              <a:blip r:embed="rId2">
+                <a:extLst>
+                  <a:ext uri="{28A0092B-C50C-407E-A947-70E740481C1C}">
+                    <a14:useLocalDpi xmlns:a14="http://schemas.microsoft.com/office/drawing/2010/main" val="0"/>
+                  </a:ext>
+                </a:extLst>
+              </a:blip>
+              <a:stretch>
+                <a:fillRect/>
+              </a:stretch>
+            </p:blipFill>
+            <p:spPr>
+              <a:xfrm>
+                <a:off x="4248932" y="2435079"/>
+                <a:ext cx="2104244" cy="1987839"/>
+              </a:xfrm>
+              <a:prstGeom prst="rect">
+                <a:avLst/>
+              </a:prstGeom>
+            </p:spPr>
+          </p:pic>
+          <p:pic>
+            <p:nvPicPr>
+              <p:cNvPr id="33" name="Picture 32">
+                <a:extLst>
+                  <a:ext uri="{FF2B5EF4-FFF2-40B4-BE49-F238E27FC236}">
+                    <a16:creationId xmlns:a16="http://schemas.microsoft.com/office/drawing/2014/main" id="{7BC6EC84-947B-5FB3-9A60-E370426F8155}"/>
+                  </a:ext>
+                </a:extLst>
+              </p:cNvPr>
+              <p:cNvPicPr>
+                <a:picLocks noChangeAspect="1"/>
+              </p:cNvPicPr>
+              <p:nvPr/>
+            </p:nvPicPr>
+            <p:blipFill rotWithShape="1">
+              <a:blip r:embed="rId3">
+                <a:extLst>
+                  <a:ext uri="{28A0092B-C50C-407E-A947-70E740481C1C}">
+                    <a14:useLocalDpi xmlns:a14="http://schemas.microsoft.com/office/drawing/2010/main" val="0"/>
+                  </a:ext>
+                </a:extLst>
+              </a:blip>
+              <a:srcRect l="1820" r="2420"/>
+              <a:stretch/>
+            </p:blipFill>
+            <p:spPr>
+              <a:xfrm>
+                <a:off x="6353176" y="2674937"/>
+                <a:ext cx="5067300" cy="1508125"/>
+              </a:xfrm>
+              <a:prstGeom prst="rect">
+                <a:avLst/>
+              </a:prstGeom>
+            </p:spPr>
+          </p:pic>
+        </p:grpSp>
+        <p:sp>
+          <p:nvSpPr>
+            <p:cNvPr id="30" name="Rectangle 29">
+              <a:extLst>
+                <a:ext uri="{FF2B5EF4-FFF2-40B4-BE49-F238E27FC236}">
+                  <a16:creationId xmlns:a16="http://schemas.microsoft.com/office/drawing/2014/main" id="{189EDF31-D28E-226F-B93A-824DA80FFD72}"/>
+                </a:ext>
+              </a:extLst>
+            </p:cNvPr>
+            <p:cNvSpPr/>
+            <p:nvPr/>
+          </p:nvSpPr>
+          <p:spPr>
+            <a:xfrm>
+              <a:off x="5478386" y="1055912"/>
+              <a:ext cx="4136494" cy="2565829"/>
+            </a:xfrm>
+            <a:prstGeom prst="rect">
+              <a:avLst/>
+            </a:prstGeom>
+            <a:noFill/>
+            <a:ln>
+              <a:noFill/>
+            </a:ln>
+          </p:spPr>
+          <p:style>
+            <a:lnRef idx="2">
+              <a:schemeClr val="accent1">
+                <a:shade val="50000"/>
+              </a:schemeClr>
+            </a:lnRef>
+            <a:fillRef idx="1">
+              <a:schemeClr val="accent1"/>
+            </a:fillRef>
+            <a:effectRef idx="0">
+              <a:schemeClr val="accent1"/>
+            </a:effectRef>
+            <a:fontRef idx="minor">
+              <a:schemeClr val="lt1"/>
+            </a:fontRef>
+          </p:style>
+          <p:txBody>
+            <a:bodyPr rtlCol="0" anchor="ctr"/>
+            <a:lstStyle/>
+            <a:p>
+              <a:pPr algn="ctr"/>
+              <a:endParaRPr lang="en-AU"/>
+            </a:p>
+          </p:txBody>
+        </p:sp>
+        <p:sp>
+          <p:nvSpPr>
+            <p:cNvPr id="31" name="TextBox 30">
+              <a:extLst>
+                <a:ext uri="{FF2B5EF4-FFF2-40B4-BE49-F238E27FC236}">
+                  <a16:creationId xmlns:a16="http://schemas.microsoft.com/office/drawing/2014/main" id="{E6DDCE3D-EE76-439B-1950-EAB39B3D408A}"/>
+                </a:ext>
+              </a:extLst>
+            </p:cNvPr>
+            <p:cNvSpPr txBox="1"/>
+            <p:nvPr/>
+          </p:nvSpPr>
+          <p:spPr>
+            <a:xfrm>
+              <a:off x="5598544" y="1055912"/>
+              <a:ext cx="4016336" cy="1852367"/>
+            </a:xfrm>
+            <a:prstGeom prst="rect">
+              <a:avLst/>
+            </a:prstGeom>
+            <a:noFill/>
+          </p:spPr>
+          <p:txBody>
+            <a:bodyPr wrap="square" rtlCol="0">
+              <a:spAutoFit/>
+            </a:bodyPr>
+            <a:lstStyle/>
+            <a:p>
+              <a:pPr algn="just">
+                <a:lnSpc>
+                  <a:spcPct val="150000"/>
+                </a:lnSpc>
+              </a:pPr>
+              <a:r>
+                <a:rPr lang="en-GB" sz="1300" b="1" i="1" dirty="0">
+                  <a:solidFill>
+                    <a:srgbClr val="111111"/>
+                  </a:solidFill>
+                  <a:effectLst/>
+                  <a:latin typeface="Verdana" panose="020B0604030504040204" pitchFamily="34" charset="0"/>
+                  <a:ea typeface="Verdana" panose="020B0604030504040204" pitchFamily="34" charset="0"/>
+                </a:rPr>
+                <a:t>Don't get left behind in the fast-paced world of technology. Join the Tech Wave and stay ahead of the curve. From app development to software solutions, we've got you covered. Contact us today </a:t>
+              </a:r>
+            </a:p>
+            <a:p>
+              <a:pPr algn="ctr">
+                <a:lnSpc>
+                  <a:spcPct val="150000"/>
+                </a:lnSpc>
+              </a:pPr>
+              <a:r>
+                <a:rPr lang="en-GB" sz="1300" b="1" i="1" dirty="0">
+                  <a:solidFill>
+                    <a:srgbClr val="111111"/>
+                  </a:solidFill>
+                  <a:effectLst/>
+                  <a:latin typeface="Verdana" panose="020B0604030504040204" pitchFamily="34" charset="0"/>
+                  <a:ea typeface="Verdana" panose="020B0604030504040204" pitchFamily="34" charset="0"/>
+                </a:rPr>
+                <a:t>to learn more</a:t>
+              </a:r>
+            </a:p>
+          </p:txBody>
+        </p:sp>
+      </p:grpSp>
+    </p:spTree>
+    <p:extLst>
+      <p:ext uri="{BB962C8B-B14F-4D97-AF65-F5344CB8AC3E}">
+        <p14:creationId xmlns:p14="http://schemas.microsoft.com/office/powerpoint/2010/main" val="2286900241"/>
+      </p:ext>
+    </p:extLst>
+  </p:cSld>
+  <p:clrMapOvr>
+    <a:masterClrMapping/>
+  </p:clrMapOvr>
+</p:sld>
+</file>
+
 <file path=ppt/theme/theme1.xml><?xml version="1.0" encoding="utf-8"?>
 <a:theme xmlns:a="http://schemas.openxmlformats.org/drawingml/2006/main" name="Office Theme">
   <a:themeElements>
